--- a/PizzaHunt.pptx
+++ b/PizzaHunt.pptx
@@ -8,8 +8,9 @@
     <p:sldId id="256" r:id="rId2"/>
     <p:sldId id="257" r:id="rId3"/>
     <p:sldId id="258" r:id="rId4"/>
-    <p:sldId id="259" r:id="rId5"/>
-    <p:sldId id="260" r:id="rId6"/>
+    <p:sldId id="261" r:id="rId5"/>
+    <p:sldId id="259" r:id="rId6"/>
+    <p:sldId id="260" r:id="rId7"/>
   </p:sldIdLst>
   <p:sldSz cx="12192000" cy="6858000"/>
   <p:notesSz cx="6858000" cy="9144000"/>
@@ -108,6 +109,11 @@
       </a:defRPr>
     </a:lvl9pPr>
   </p:defaultTextStyle>
+  <p:extLst>
+    <p:ext uri="{EFAFB233-063F-42B5-8137-9DF3F51BA10A}">
+      <p15:sldGuideLst xmlns:p15="http://schemas.microsoft.com/office/powerpoint/2012/main"/>
+    </p:ext>
+  </p:extLst>
 </p:presentation>
 </file>
 
@@ -3632,6 +3638,168 @@
           <p:cNvPr id="2" name="Заголовок 1">
             <a:extLst>
               <a:ext uri="{FF2B5EF4-FFF2-40B4-BE49-F238E27FC236}">
+                <a16:creationId xmlns:a16="http://schemas.microsoft.com/office/drawing/2014/main" id="{55332F6A-DAA9-4DEF-9744-78933883FED3}"/>
+              </a:ext>
+            </a:extLst>
+          </p:cNvPr>
+          <p:cNvSpPr>
+            <a:spLocks noGrp="1"/>
+          </p:cNvSpPr>
+          <p:nvPr>
+            <p:ph type="title"/>
+          </p:nvPr>
+        </p:nvSpPr>
+        <p:spPr>
+          <a:xfrm>
+            <a:off x="1450392" y="779352"/>
+            <a:ext cx="9291215" cy="1049235"/>
+          </a:xfrm>
+        </p:spPr>
+        <p:txBody>
+          <a:bodyPr/>
+          <a:lstStyle/>
+          <a:p>
+            <a:r>
+              <a:rPr lang="ru-RU" dirty="0"/>
+              <a:t>Немного про игру</a:t>
+            </a:r>
+          </a:p>
+        </p:txBody>
+      </p:sp>
+      <p:sp>
+        <p:nvSpPr>
+          <p:cNvPr id="3" name="Объект 2">
+            <a:extLst>
+              <a:ext uri="{FF2B5EF4-FFF2-40B4-BE49-F238E27FC236}">
+                <a16:creationId xmlns:a16="http://schemas.microsoft.com/office/drawing/2014/main" id="{C44D4BAF-3CB8-4FE5-A8C8-4D197CE6F891}"/>
+              </a:ext>
+            </a:extLst>
+          </p:cNvPr>
+          <p:cNvSpPr>
+            <a:spLocks noGrp="1"/>
+          </p:cNvSpPr>
+          <p:nvPr>
+            <p:ph idx="1"/>
+          </p:nvPr>
+        </p:nvSpPr>
+        <p:spPr/>
+        <p:txBody>
+          <a:bodyPr/>
+          <a:lstStyle/>
+          <a:p>
+            <a:r>
+              <a:rPr lang="ru-RU" dirty="0"/>
+              <a:t>Управление стандартное – </a:t>
+            </a:r>
+            <a:r>
+              <a:rPr lang="en-US" dirty="0" err="1"/>
+              <a:t>wasd</a:t>
+            </a:r>
+            <a:r>
+              <a:rPr lang="en-US" dirty="0"/>
+              <a:t> + </a:t>
+            </a:r>
+            <a:r>
+              <a:rPr lang="ru-RU" dirty="0"/>
+              <a:t>мышка</a:t>
+            </a:r>
+          </a:p>
+          <a:p>
+            <a:r>
+              <a:rPr lang="ru-RU" dirty="0"/>
+              <a:t>Есть читы, например </a:t>
+            </a:r>
+            <a:r>
+              <a:rPr lang="en-US" dirty="0" err="1"/>
+              <a:t>xray</a:t>
+            </a:r>
+            <a:r>
+              <a:rPr lang="en-US" dirty="0"/>
+              <a:t> (</a:t>
+            </a:r>
+            <a:r>
+              <a:rPr lang="ru-RU" dirty="0"/>
+              <a:t>активация </a:t>
+            </a:r>
+            <a:r>
+              <a:rPr lang="en-US" dirty="0"/>
+              <a:t>x) </a:t>
+            </a:r>
+            <a:r>
+              <a:rPr lang="ru-RU" dirty="0"/>
+              <a:t>или </a:t>
+            </a:r>
+            <a:r>
+              <a:rPr lang="en-US" dirty="0"/>
+              <a:t>god (</a:t>
+            </a:r>
+            <a:r>
+              <a:rPr lang="ru-RU" dirty="0"/>
+              <a:t>активация </a:t>
+            </a:r>
+            <a:r>
+              <a:rPr lang="en-US" dirty="0"/>
+              <a:t>g)</a:t>
+            </a:r>
+          </a:p>
+          <a:p>
+            <a:r>
+              <a:rPr lang="ru-RU" dirty="0"/>
+              <a:t>Можно делать скриншоты на </a:t>
+            </a:r>
+            <a:r>
+              <a:rPr lang="en-US" dirty="0"/>
+              <a:t>F2</a:t>
+            </a:r>
+          </a:p>
+          <a:p>
+            <a:r>
+              <a:rPr lang="ru-RU" dirty="0"/>
+              <a:t>Ставить паузу на </a:t>
+            </a:r>
+            <a:r>
+              <a:rPr lang="en-US"/>
+              <a:t>Esc</a:t>
+            </a:r>
+            <a:endParaRPr lang="ru-RU" dirty="0"/>
+          </a:p>
+        </p:txBody>
+      </p:sp>
+    </p:spTree>
+    <p:extLst>
+      <p:ext uri="{BB962C8B-B14F-4D97-AF65-F5344CB8AC3E}">
+        <p14:creationId xmlns:p14="http://schemas.microsoft.com/office/powerpoint/2010/main" val="4024874973"/>
+      </p:ext>
+    </p:extLst>
+  </p:cSld>
+  <p:clrMapOvr>
+    <a:masterClrMapping/>
+  </p:clrMapOvr>
+</p:sld>
+</file>
+
+<file path=ppt/slides/slide5.xml><?xml version="1.0" encoding="utf-8"?>
+<p:sld xmlns:a="http://schemas.openxmlformats.org/drawingml/2006/main" xmlns:r="http://schemas.openxmlformats.org/officeDocument/2006/relationships" xmlns:p="http://schemas.openxmlformats.org/presentationml/2006/main">
+  <p:cSld>
+    <p:spTree>
+      <p:nvGrpSpPr>
+        <p:cNvPr id="1" name=""/>
+        <p:cNvGrpSpPr/>
+        <p:nvPr/>
+      </p:nvGrpSpPr>
+      <p:grpSpPr>
+        <a:xfrm>
+          <a:off x="0" y="0"/>
+          <a:ext cx="0" cy="0"/>
+          <a:chOff x="0" y="0"/>
+          <a:chExt cx="0" cy="0"/>
+        </a:xfrm>
+      </p:grpSpPr>
+      <p:sp>
+        <p:nvSpPr>
+          <p:cNvPr id="2" name="Заголовок 1">
+            <a:extLst>
+              <a:ext uri="{FF2B5EF4-FFF2-40B4-BE49-F238E27FC236}">
                 <a16:creationId xmlns:a16="http://schemas.microsoft.com/office/drawing/2014/main" id="{A783678E-73AA-444B-8954-464C86F99D6E}"/>
               </a:ext>
             </a:extLst>
@@ -3808,7 +3976,7 @@
 </p:sld>
 </file>
 
-<file path=ppt/slides/slide5.xml><?xml version="1.0" encoding="utf-8"?>
+<file path=ppt/slides/slide6.xml><?xml version="1.0" encoding="utf-8"?>
 <p:sld xmlns:a="http://schemas.openxmlformats.org/drawingml/2006/main" xmlns:r="http://schemas.openxmlformats.org/officeDocument/2006/relationships" xmlns:p="http://schemas.openxmlformats.org/presentationml/2006/main">
   <p:cSld>
     <p:spTree>
